--- a/技術調査.pptx
+++ b/技術調査.pptx
@@ -5,7 +5,7 @@
     <p:sldMasterId id="2147483648" r:id="rId1"/>
   </p:sldMasterIdLst>
   <p:notesMasterIdLst>
-    <p:notesMasterId r:id="rId29"/>
+    <p:notesMasterId r:id="rId30"/>
   </p:notesMasterIdLst>
   <p:sldIdLst>
     <p:sldId id="256" r:id="rId2"/>
@@ -34,7 +34,8 @@
     <p:sldId id="263" r:id="rId25"/>
     <p:sldId id="278" r:id="rId26"/>
     <p:sldId id="274" r:id="rId27"/>
-    <p:sldId id="277" r:id="rId28"/>
+    <p:sldId id="290" r:id="rId28"/>
+    <p:sldId id="277" r:id="rId29"/>
   </p:sldIdLst>
   <p:sldSz cx="12192000" cy="6858000"/>
   <p:notesSz cx="6858000" cy="9144000"/>
@@ -133,6 +134,11 @@
       </a:defRPr>
     </a:lvl9pPr>
   </p:defaultTextStyle>
+  <p:extLst>
+    <p:ext uri="{EFAFB233-063F-42B5-8137-9DF3F51BA10A}">
+      <p15:sldGuideLst xmlns:p15="http://schemas.microsoft.com/office/powerpoint/2012/main"/>
+    </p:ext>
+  </p:extLst>
 </p:presentation>
 </file>
 
@@ -561,26 +567,48 @@
           <a:bodyPr/>
           <a:lstStyle/>
           <a:p>
+            <a:pPr lvl="1">
+              <a:buFont typeface="Wingdings" panose="05000000000000000000" pitchFamily="2" charset="2"/>
+              <a:buChar char="Ø"/>
+            </a:pPr>
+            <a:r>
+              <a:rPr lang="en-US" altLang="ja-JP" dirty="0"/>
+              <a:t>Zero-shot learning</a:t>
+            </a:r>
+          </a:p>
+          <a:p>
+            <a:pPr lvl="2">
+              <a:buFont typeface="Wingdings" panose="05000000000000000000" pitchFamily="2" charset="2"/>
+              <a:buChar char="ü"/>
+            </a:pPr>
+            <a:r>
+              <a:rPr lang="ja-JP" altLang="en-US" dirty="0"/>
+              <a:t>直接要約された情報を入力とし、コメント生成</a:t>
+            </a:r>
+            <a:endParaRPr kumimoji="1" lang="en-US" altLang="ja-JP" dirty="0"/>
+          </a:p>
+          <a:p>
+            <a:pPr lvl="1">
+              <a:buFont typeface="Wingdings" panose="05000000000000000000" pitchFamily="2" charset="2"/>
+              <a:buChar char="Ø"/>
+            </a:pPr>
+            <a:r>
+              <a:rPr lang="en-US" altLang="ja-JP" dirty="0"/>
+              <a:t>Few-shot learning</a:t>
+            </a:r>
+          </a:p>
+          <a:p>
+            <a:pPr lvl="2">
+              <a:buFont typeface="Wingdings" panose="05000000000000000000" pitchFamily="2" charset="2"/>
+              <a:buChar char="ü"/>
+            </a:pPr>
             <a:r>
               <a:rPr kumimoji="1" lang="ja-JP" altLang="en-US" dirty="0"/>
-              <a:t>この市況コメント生成のための</a:t>
-            </a:r>
-            <a:r>
-              <a:rPr kumimoji="1" lang="en-US" altLang="ja-JP" dirty="0"/>
-              <a:t>messages</a:t>
-            </a:r>
-            <a:r>
-              <a:rPr kumimoji="1" lang="ja-JP" altLang="en-US" dirty="0"/>
-              <a:t>は、</a:t>
-            </a:r>
-            <a:r>
-              <a:rPr kumimoji="1" lang="en-US" altLang="ja-JP" dirty="0" err="1"/>
-              <a:t>zero,few</a:t>
-            </a:r>
-            <a:r>
-              <a:rPr kumimoji="1" lang="ja-JP" altLang="en-US" dirty="0"/>
-              <a:t>のどっち？</a:t>
-            </a:r>
+              <a:t>過去の市況コメントを参考にしながら新たなコメントを生成</a:t>
+            </a:r>
+          </a:p>
+          <a:p>
+            <a:endParaRPr kumimoji="1" lang="ja-JP" altLang="en-US" dirty="0"/>
           </a:p>
         </p:txBody>
       </p:sp>
@@ -601,7 +629,7 @@
           <a:p>
             <a:fld id="{D10C7656-F56E-47E3-8C9D-654F6AD98862}" type="slidenum">
               <a:rPr kumimoji="1" lang="ja-JP" altLang="en-US" smtClean="0"/>
-              <a:t>13</a:t>
+              <a:t>12</a:t>
             </a:fld>
             <a:endParaRPr kumimoji="1" lang="ja-JP" altLang="en-US"/>
           </a:p>
@@ -610,7 +638,7 @@
     </p:spTree>
     <p:extLst>
       <p:ext uri="{BB962C8B-B14F-4D97-AF65-F5344CB8AC3E}">
-        <p14:creationId xmlns:p14="http://schemas.microsoft.com/office/powerpoint/2010/main" val="3985891993"/>
+        <p14:creationId xmlns:p14="http://schemas.microsoft.com/office/powerpoint/2010/main" val="3871109252"/>
       </p:ext>
     </p:extLst>
   </p:cSld>
@@ -666,7 +694,23 @@
           <a:p>
             <a:r>
               <a:rPr kumimoji="1" lang="ja-JP" altLang="en-US" dirty="0"/>
-              <a:t>実際はどの期間の出力を行っているの？</a:t>
+              <a:t>この市況コメント生成のための</a:t>
+            </a:r>
+            <a:r>
+              <a:rPr kumimoji="1" lang="en-US" altLang="ja-JP" dirty="0"/>
+              <a:t>messages</a:t>
+            </a:r>
+            <a:r>
+              <a:rPr kumimoji="1" lang="ja-JP" altLang="en-US" dirty="0"/>
+              <a:t>は、</a:t>
+            </a:r>
+            <a:r>
+              <a:rPr kumimoji="1" lang="en-US" altLang="ja-JP" dirty="0" err="1"/>
+              <a:t>zero,few</a:t>
+            </a:r>
+            <a:r>
+              <a:rPr kumimoji="1" lang="ja-JP" altLang="en-US" dirty="0"/>
+              <a:t>のどっち？</a:t>
             </a:r>
           </a:p>
         </p:txBody>
@@ -688,7 +732,7 @@
           <a:p>
             <a:fld id="{D10C7656-F56E-47E3-8C9D-654F6AD98862}" type="slidenum">
               <a:rPr kumimoji="1" lang="ja-JP" altLang="en-US" smtClean="0"/>
-              <a:t>15</a:t>
+              <a:t>13</a:t>
             </a:fld>
             <a:endParaRPr kumimoji="1" lang="ja-JP" altLang="en-US"/>
           </a:p>
@@ -697,7 +741,7 @@
     </p:spTree>
     <p:extLst>
       <p:ext uri="{BB962C8B-B14F-4D97-AF65-F5344CB8AC3E}">
-        <p14:creationId xmlns:p14="http://schemas.microsoft.com/office/powerpoint/2010/main" val="2866043703"/>
+        <p14:creationId xmlns:p14="http://schemas.microsoft.com/office/powerpoint/2010/main" val="3985891993"/>
       </p:ext>
     </p:extLst>
   </p:cSld>
@@ -751,7 +795,10 @@
           <a:bodyPr/>
           <a:lstStyle/>
           <a:p>
-            <a:endParaRPr kumimoji="1" lang="ja-JP" altLang="en-US" dirty="0"/>
+            <a:r>
+              <a:rPr kumimoji="1" lang="ja-JP" altLang="en-US" dirty="0"/>
+              <a:t>実際はどの期間の出力を行っているの？</a:t>
+            </a:r>
           </a:p>
         </p:txBody>
       </p:sp>
@@ -772,7 +819,7 @@
           <a:p>
             <a:fld id="{D10C7656-F56E-47E3-8C9D-654F6AD98862}" type="slidenum">
               <a:rPr kumimoji="1" lang="ja-JP" altLang="en-US" smtClean="0"/>
-              <a:t>16</a:t>
+              <a:t>15</a:t>
             </a:fld>
             <a:endParaRPr kumimoji="1" lang="ja-JP" altLang="en-US"/>
           </a:p>
@@ -781,7 +828,7 @@
     </p:spTree>
     <p:extLst>
       <p:ext uri="{BB962C8B-B14F-4D97-AF65-F5344CB8AC3E}">
-        <p14:creationId xmlns:p14="http://schemas.microsoft.com/office/powerpoint/2010/main" val="2190604106"/>
+        <p14:creationId xmlns:p14="http://schemas.microsoft.com/office/powerpoint/2010/main" val="2866043703"/>
       </p:ext>
     </p:extLst>
   </p:cSld>
@@ -835,13 +882,165 @@
           <a:bodyPr/>
           <a:lstStyle/>
           <a:p>
+            <a:r>
+              <a:rPr kumimoji="1" lang="ja-JP" altLang="en-US" dirty="0"/>
+              <a:t>トピックの説明追加</a:t>
+            </a:r>
             <a:endParaRPr kumimoji="1" lang="en-US" altLang="ja-JP" dirty="0"/>
           </a:p>
+          <a:p>
+            <a:pPr marL="0" marR="0" lvl="0" indent="0" algn="l" defTabSz="914400" rtl="0" eaLnBrk="1" fontAlgn="auto" latinLnBrk="0" hangingPunct="1">
+              <a:lnSpc>
+                <a:spcPct val="100000"/>
+              </a:lnSpc>
+              <a:spcBef>
+                <a:spcPts val="0"/>
+              </a:spcBef>
+              <a:spcAft>
+                <a:spcPts val="0"/>
+              </a:spcAft>
+              <a:buClrTx/>
+              <a:buSzTx/>
+              <a:buFontTx/>
+              <a:buNone/>
+              <a:tabLst/>
+              <a:defRPr/>
+            </a:pPr>
+            <a:r>
+              <a:rPr kumimoji="1" lang="ja-JP" altLang="en-US" dirty="0"/>
+              <a:t>トピックがどの程度重複しているかを測る</a:t>
+            </a:r>
+            <a:endParaRPr kumimoji="1" lang="en-US" altLang="ja-JP" dirty="0"/>
+          </a:p>
+          <a:p>
+            <a:endParaRPr kumimoji="1" lang="ja-JP" altLang="en-US" dirty="0"/>
+          </a:p>
+        </p:txBody>
+      </p:sp>
+      <p:sp>
+        <p:nvSpPr>
+          <p:cNvPr id="4" name="スライド番号プレースホルダー 3"/>
+          <p:cNvSpPr>
+            <a:spLocks noGrp="1"/>
+          </p:cNvSpPr>
+          <p:nvPr>
+            <p:ph type="sldNum" sz="quarter" idx="5"/>
+          </p:nvPr>
+        </p:nvSpPr>
+        <p:spPr/>
+        <p:txBody>
+          <a:bodyPr/>
+          <a:lstStyle/>
+          <a:p>
+            <a:fld id="{D10C7656-F56E-47E3-8C9D-654F6AD98862}" type="slidenum">
+              <a:rPr kumimoji="1" lang="ja-JP" altLang="en-US" smtClean="0"/>
+              <a:t>16</a:t>
+            </a:fld>
+            <a:endParaRPr kumimoji="1" lang="ja-JP" altLang="en-US"/>
+          </a:p>
+        </p:txBody>
+      </p:sp>
+    </p:spTree>
+    <p:extLst>
+      <p:ext uri="{BB962C8B-B14F-4D97-AF65-F5344CB8AC3E}">
+        <p14:creationId xmlns:p14="http://schemas.microsoft.com/office/powerpoint/2010/main" val="2190604106"/>
+      </p:ext>
+    </p:extLst>
+  </p:cSld>
+  <p:clrMapOvr>
+    <a:masterClrMapping/>
+  </p:clrMapOvr>
+</p:notes>
+</file>
+
+<file path=ppt/notesSlides/notesSlide5.xml><?xml version="1.0" encoding="utf-8"?>
+<p:notes xmlns:a="http://schemas.openxmlformats.org/drawingml/2006/main" xmlns:r="http://schemas.openxmlformats.org/officeDocument/2006/relationships" xmlns:p="http://schemas.openxmlformats.org/presentationml/2006/main">
+  <p:cSld>
+    <p:spTree>
+      <p:nvGrpSpPr>
+        <p:cNvPr id="1" name=""/>
+        <p:cNvGrpSpPr/>
+        <p:nvPr/>
+      </p:nvGrpSpPr>
+      <p:grpSpPr>
+        <a:xfrm>
+          <a:off x="0" y="0"/>
+          <a:ext cx="0" cy="0"/>
+          <a:chOff x="0" y="0"/>
+          <a:chExt cx="0" cy="0"/>
+        </a:xfrm>
+      </p:grpSpPr>
+      <p:sp>
+        <p:nvSpPr>
+          <p:cNvPr id="2" name="スライド イメージ プレースホルダー 1"/>
+          <p:cNvSpPr>
+            <a:spLocks noGrp="1" noRot="1" noChangeAspect="1"/>
+          </p:cNvSpPr>
+          <p:nvPr>
+            <p:ph type="sldImg"/>
+          </p:nvPr>
+        </p:nvSpPr>
+        <p:spPr/>
+      </p:sp>
+      <p:sp>
+        <p:nvSpPr>
+          <p:cNvPr id="3" name="ノート プレースホルダー 2"/>
+          <p:cNvSpPr>
+            <a:spLocks noGrp="1"/>
+          </p:cNvSpPr>
+          <p:nvPr>
+            <p:ph type="body" idx="1"/>
+          </p:nvPr>
+        </p:nvSpPr>
+        <p:spPr/>
+        <p:txBody>
+          <a:bodyPr/>
+          <a:lstStyle/>
           <a:p>
             <a:r>
               <a:rPr kumimoji="1" lang="ja-JP" altLang="en-US" dirty="0"/>
               <a:t>適合率と再現率は自動生成したものがどれくらい正しいかを測るための指標なので、正解がわからない人手作成間は意味がない</a:t>
             </a:r>
+            <a:endParaRPr kumimoji="1" lang="en-US" altLang="ja-JP" dirty="0"/>
+          </a:p>
+          <a:p>
+            <a:r>
+              <a:rPr lang="ja-JP" altLang="en-US" dirty="0"/>
+              <a:t>国内債券市場の</a:t>
+            </a:r>
+            <a:r>
+              <a:rPr lang="en-US" altLang="ja-JP" dirty="0"/>
+              <a:t>zero-shot</a:t>
+            </a:r>
+            <a:r>
+              <a:rPr lang="ja-JP" altLang="en-US" dirty="0"/>
+              <a:t>の一致率が低い</a:t>
+            </a:r>
+            <a:endParaRPr lang="en-US" altLang="ja-JP" dirty="0"/>
+          </a:p>
+          <a:p>
+            <a:pPr lvl="1">
+              <a:buFont typeface="Wingdings" panose="05000000000000000000" pitchFamily="2" charset="2"/>
+              <a:buChar char="Ø"/>
+            </a:pPr>
+            <a:r>
+              <a:rPr lang="ja-JP" altLang="en-US" dirty="0"/>
+              <a:t>ニュース記事内で国内債券市場の変動要因に関する記述が少なく、</a:t>
+            </a:r>
+            <a:endParaRPr lang="en-US" altLang="ja-JP" dirty="0"/>
+          </a:p>
+          <a:p>
+            <a:pPr marL="457200" lvl="1" indent="0">
+              <a:buNone/>
+            </a:pPr>
+            <a:r>
+              <a:rPr lang="ja-JP" altLang="en-US" dirty="0"/>
+              <a:t>無関係な要因を列挙したコメント生成</a:t>
+            </a:r>
+            <a:endParaRPr lang="en-US" altLang="ja-JP" dirty="0"/>
+          </a:p>
+          <a:p>
+            <a:endParaRPr kumimoji="1" lang="ja-JP" altLang="en-US" dirty="0"/>
           </a:p>
         </p:txBody>
       </p:sp>
@@ -881,7 +1080,7 @@
 </p:notes>
 </file>
 
-<file path=ppt/notesSlides/notesSlide5.xml><?xml version="1.0" encoding="utf-8"?>
+<file path=ppt/notesSlides/notesSlide6.xml><?xml version="1.0" encoding="utf-8"?>
 <p:notes xmlns:a="http://schemas.openxmlformats.org/drawingml/2006/main" xmlns:r="http://schemas.openxmlformats.org/officeDocument/2006/relationships" xmlns:p="http://schemas.openxmlformats.org/presentationml/2006/main">
   <p:cSld>
     <p:spTree>
@@ -989,7 +1188,7 @@
 </p:notes>
 </file>
 
-<file path=ppt/notesSlides/notesSlide6.xml><?xml version="1.0" encoding="utf-8"?>
+<file path=ppt/notesSlides/notesSlide7.xml><?xml version="1.0" encoding="utf-8"?>
 <p:notes xmlns:a="http://schemas.openxmlformats.org/drawingml/2006/main" xmlns:r="http://schemas.openxmlformats.org/officeDocument/2006/relationships" xmlns:p="http://schemas.openxmlformats.org/presentationml/2006/main">
   <p:cSld>
     <p:spTree>
@@ -1220,7 +1419,7 @@
           <a:p>
             <a:fld id="{A26668D5-C135-4E06-9EFF-5648B2C0B537}" type="datetimeFigureOut">
               <a:rPr kumimoji="1" lang="ja-JP" altLang="en-US" smtClean="0"/>
-              <a:t>2025/1/4</a:t>
+              <a:t>2025/1/5</a:t>
             </a:fld>
             <a:endParaRPr kumimoji="1" lang="ja-JP" altLang="en-US"/>
           </a:p>
@@ -1450,7 +1649,7 @@
           <a:p>
             <a:fld id="{A26668D5-C135-4E06-9EFF-5648B2C0B537}" type="datetimeFigureOut">
               <a:rPr kumimoji="1" lang="ja-JP" altLang="en-US" smtClean="0"/>
-              <a:t>2025/1/4</a:t>
+              <a:t>2025/1/5</a:t>
             </a:fld>
             <a:endParaRPr kumimoji="1" lang="ja-JP" altLang="en-US"/>
           </a:p>
@@ -1690,7 +1889,7 @@
           <a:p>
             <a:fld id="{A26668D5-C135-4E06-9EFF-5648B2C0B537}" type="datetimeFigureOut">
               <a:rPr kumimoji="1" lang="ja-JP" altLang="en-US" smtClean="0"/>
-              <a:t>2025/1/4</a:t>
+              <a:t>2025/1/5</a:t>
             </a:fld>
             <a:endParaRPr kumimoji="1" lang="ja-JP" altLang="en-US"/>
           </a:p>
@@ -1920,7 +2119,7 @@
           <a:p>
             <a:fld id="{A26668D5-C135-4E06-9EFF-5648B2C0B537}" type="datetimeFigureOut">
               <a:rPr kumimoji="1" lang="ja-JP" altLang="en-US" smtClean="0"/>
-              <a:t>2025/1/4</a:t>
+              <a:t>2025/1/5</a:t>
             </a:fld>
             <a:endParaRPr kumimoji="1" lang="ja-JP" altLang="en-US"/>
           </a:p>
@@ -2195,7 +2394,7 @@
           <a:p>
             <a:fld id="{A26668D5-C135-4E06-9EFF-5648B2C0B537}" type="datetimeFigureOut">
               <a:rPr kumimoji="1" lang="ja-JP" altLang="en-US" smtClean="0"/>
-              <a:t>2025/1/4</a:t>
+              <a:t>2025/1/5</a:t>
             </a:fld>
             <a:endParaRPr kumimoji="1" lang="ja-JP" altLang="en-US"/>
           </a:p>
@@ -2524,7 +2723,7 @@
           <a:p>
             <a:fld id="{A26668D5-C135-4E06-9EFF-5648B2C0B537}" type="datetimeFigureOut">
               <a:rPr kumimoji="1" lang="ja-JP" altLang="en-US" smtClean="0"/>
-              <a:t>2025/1/4</a:t>
+              <a:t>2025/1/5</a:t>
             </a:fld>
             <a:endParaRPr kumimoji="1" lang="ja-JP" altLang="en-US"/>
           </a:p>
@@ -3000,7 +3199,7 @@
           <a:p>
             <a:fld id="{A26668D5-C135-4E06-9EFF-5648B2C0B537}" type="datetimeFigureOut">
               <a:rPr kumimoji="1" lang="ja-JP" altLang="en-US" smtClean="0"/>
-              <a:t>2025/1/4</a:t>
+              <a:t>2025/1/5</a:t>
             </a:fld>
             <a:endParaRPr kumimoji="1" lang="ja-JP" altLang="en-US"/>
           </a:p>
@@ -3141,7 +3340,7 @@
           <a:p>
             <a:fld id="{A26668D5-C135-4E06-9EFF-5648B2C0B537}" type="datetimeFigureOut">
               <a:rPr kumimoji="1" lang="ja-JP" altLang="en-US" smtClean="0"/>
-              <a:t>2025/1/4</a:t>
+              <a:t>2025/1/5</a:t>
             </a:fld>
             <a:endParaRPr kumimoji="1" lang="ja-JP" altLang="en-US"/>
           </a:p>
@@ -3254,7 +3453,7 @@
           <a:p>
             <a:fld id="{A26668D5-C135-4E06-9EFF-5648B2C0B537}" type="datetimeFigureOut">
               <a:rPr kumimoji="1" lang="ja-JP" altLang="en-US" smtClean="0"/>
-              <a:t>2025/1/4</a:t>
+              <a:t>2025/1/5</a:t>
             </a:fld>
             <a:endParaRPr kumimoji="1" lang="ja-JP" altLang="en-US"/>
           </a:p>
@@ -3597,7 +3796,7 @@
           <a:p>
             <a:fld id="{A26668D5-C135-4E06-9EFF-5648B2C0B537}" type="datetimeFigureOut">
               <a:rPr kumimoji="1" lang="ja-JP" altLang="en-US" smtClean="0"/>
-              <a:t>2025/1/4</a:t>
+              <a:t>2025/1/5</a:t>
             </a:fld>
             <a:endParaRPr kumimoji="1" lang="ja-JP" altLang="en-US"/>
           </a:p>
@@ -3885,7 +4084,7 @@
           <a:p>
             <a:fld id="{A26668D5-C135-4E06-9EFF-5648B2C0B537}" type="datetimeFigureOut">
               <a:rPr kumimoji="1" lang="ja-JP" altLang="en-US" smtClean="0"/>
-              <a:t>2025/1/4</a:t>
+              <a:t>2025/1/5</a:t>
             </a:fld>
             <a:endParaRPr kumimoji="1" lang="ja-JP" altLang="en-US"/>
           </a:p>
@@ -4158,7 +4357,7 @@
           <a:p>
             <a:fld id="{A26668D5-C135-4E06-9EFF-5648B2C0B537}" type="datetimeFigureOut">
               <a:rPr kumimoji="1" lang="ja-JP" altLang="en-US" smtClean="0"/>
-              <a:t>2025/1/4</a:t>
+              <a:t>2025/1/5</a:t>
             </a:fld>
             <a:endParaRPr kumimoji="1" lang="ja-JP" altLang="en-US"/>
           </a:p>
@@ -5250,7 +5449,7 @@
           <p:nvPr/>
         </p:nvPicPr>
         <p:blipFill>
-          <a:blip r:embed="rId2"/>
+          <a:blip r:embed="rId3"/>
           <a:srcRect l="2563" t="446" r="1883"/>
           <a:stretch/>
         </p:blipFill>
@@ -5279,7 +5478,7 @@
           <p:nvPr/>
         </p:nvPicPr>
         <p:blipFill>
-          <a:blip r:embed="rId3"/>
+          <a:blip r:embed="rId4"/>
           <a:srcRect l="3572" t="1734" r="2942"/>
           <a:stretch/>
         </p:blipFill>
@@ -6062,12 +6261,8 @@
               <a:buChar char="Ø"/>
             </a:pPr>
             <a:r>
-              <a:rPr lang="en-US" altLang="ja-JP" dirty="0" err="1"/>
-              <a:t>Refinitice</a:t>
-            </a:r>
-            <a:r>
               <a:rPr lang="en-US" altLang="ja-JP" dirty="0"/>
-              <a:t> </a:t>
+              <a:t>Refinitiv </a:t>
             </a:r>
             <a:r>
               <a:rPr lang="en-US" altLang="ja-JP" dirty="0" err="1"/>
@@ -6185,7 +6380,7 @@
             </a:r>
             <a:r>
               <a:rPr lang="ja-JP" altLang="en-US" dirty="0"/>
-              <a:t>：市場サマリー</a:t>
+              <a:t>：市場サマリー </a:t>
             </a:r>
             <a:r>
               <a:rPr lang="en-US" altLang="ja-JP" dirty="0"/>
@@ -6501,7 +6696,11 @@
             </a:r>
             <a:r>
               <a:rPr kumimoji="1" lang="ja-JP" altLang="en-US" dirty="0"/>
-              <a:t>の評価指標を使用</a:t>
+              <a:t>の評価指標を</a:t>
+            </a:r>
+            <a:r>
+              <a:rPr lang="ja-JP" altLang="en-US" dirty="0"/>
+              <a:t>計算</a:t>
             </a:r>
             <a:endParaRPr kumimoji="1" lang="en-US" altLang="ja-JP" dirty="0"/>
           </a:p>
@@ -6685,8 +6884,8 @@
           </a:ln>
         </p:spPr>
       </p:pic>
-      <mc:AlternateContent xmlns:mc="http://schemas.openxmlformats.org/markup-compatibility/2006">
-        <mc:Choice xmlns:a14="http://schemas.microsoft.com/office/drawing/2010/main" Requires="a14">
+      <mc:AlternateContent xmlns:mc="http://schemas.openxmlformats.org/markup-compatibility/2006" xmlns:a14="http://schemas.microsoft.com/office/drawing/2010/main">
+        <mc:Choice Requires="a14">
           <p:sp>
             <p:nvSpPr>
               <p:cNvPr id="7" name="テキスト ボックス 6">
@@ -6764,7 +6963,7 @@
             </p:txBody>
           </p:sp>
         </mc:Choice>
-        <mc:Fallback>
+        <mc:Fallback xmlns="">
           <p:sp>
             <p:nvSpPr>
               <p:cNvPr id="7" name="テキスト ボックス 6">
@@ -6872,8 +7071,8 @@
           <a:lstStyle/>
           <a:p>
             <a:r>
-              <a:rPr kumimoji="1" lang="en-US" altLang="ja-JP" dirty="0" err="1"/>
-              <a:t>Hallusination</a:t>
+              <a:rPr kumimoji="1" lang="en-US" altLang="ja-JP" dirty="0"/>
+              <a:t>Hallucination</a:t>
             </a:r>
             <a:r>
               <a:rPr kumimoji="1" lang="ja-JP" altLang="en-US" dirty="0"/>
@@ -7110,30 +7309,31 @@
             </a:pPr>
             <a:r>
               <a:rPr lang="ja-JP" altLang="en-US" dirty="0"/>
-              <a:t>実際の見通しコメント</a:t>
-            </a:r>
-            <a:r>
-              <a:rPr lang="en-US" altLang="ja-JP" dirty="0"/>
-              <a:t>2</a:t>
+              <a:t>社員</a:t>
+            </a:r>
+            <a:r>
+              <a:rPr lang="en-US" altLang="ja-JP" sz="2000" dirty="0"/>
+              <a:t>(</a:t>
+            </a:r>
+            <a:r>
+              <a:rPr lang="ja-JP" altLang="en-US" sz="2000" dirty="0"/>
+              <a:t>運用部社員と若手社員、各</a:t>
+            </a:r>
+            <a:r>
+              <a:rPr lang="en-US" altLang="ja-JP" sz="2000" dirty="0"/>
+              <a:t>6</a:t>
+            </a:r>
+            <a:r>
+              <a:rPr lang="ja-JP" altLang="en-US" sz="2000" dirty="0"/>
+              <a:t>名</a:t>
+            </a:r>
+            <a:r>
+              <a:rPr lang="en-US" altLang="ja-JP" sz="2000" dirty="0"/>
+              <a:t>)</a:t>
             </a:r>
             <a:r>
               <a:rPr lang="ja-JP" altLang="en-US" dirty="0"/>
-              <a:t>問、自動生成コメント</a:t>
-            </a:r>
-            <a:r>
-              <a:rPr lang="en-US" altLang="ja-JP" dirty="0"/>
-              <a:t>2</a:t>
-            </a:r>
-            <a:r>
-              <a:rPr lang="ja-JP" altLang="en-US" dirty="0"/>
-              <a:t>問</a:t>
-            </a:r>
-            <a:endParaRPr lang="en-US" altLang="ja-JP" dirty="0"/>
-          </a:p>
-          <a:p>
-            <a:r>
-              <a:rPr lang="ja-JP" altLang="en-US" dirty="0"/>
-              <a:t>方法</a:t>
+              <a:t>が実際のものか自動生成されたものか判別</a:t>
             </a:r>
             <a:endParaRPr lang="en-US" altLang="ja-JP" dirty="0"/>
           </a:p>
@@ -7144,15 +7344,23 @@
             </a:pPr>
             <a:r>
               <a:rPr lang="ja-JP" altLang="en-US" dirty="0"/>
-              <a:t>「楽観的」、「中立的」、「悲観的」な見通しから</a:t>
+              <a:t>実際の見通しコメント</a:t>
             </a:r>
             <a:r>
               <a:rPr lang="en-US" altLang="ja-JP" dirty="0"/>
-              <a:t>1</a:t>
+              <a:t>2</a:t>
             </a:r>
             <a:r>
               <a:rPr lang="ja-JP" altLang="en-US" dirty="0"/>
-              <a:t>つ抽出</a:t>
+              <a:t>問、自動生成コメント</a:t>
+            </a:r>
+            <a:r>
+              <a:rPr lang="en-US" altLang="ja-JP" dirty="0"/>
+              <a:t>2</a:t>
+            </a:r>
+            <a:r>
+              <a:rPr lang="ja-JP" altLang="en-US" dirty="0"/>
+              <a:t>問</a:t>
             </a:r>
             <a:endParaRPr lang="en-US" altLang="ja-JP" dirty="0"/>
           </a:p>
@@ -7163,36 +7371,26 @@
             </a:pPr>
             <a:r>
               <a:rPr lang="ja-JP" altLang="en-US" dirty="0"/>
-              <a:t>社員</a:t>
-            </a:r>
-            <a:r>
-              <a:rPr lang="en-US" altLang="ja-JP" sz="2000" dirty="0"/>
-              <a:t>(</a:t>
-            </a:r>
-            <a:r>
-              <a:rPr lang="ja-JP" altLang="en-US" sz="2000" dirty="0"/>
-              <a:t>運用部社員と若手社員、各</a:t>
-            </a:r>
-            <a:r>
-              <a:rPr lang="en-US" altLang="ja-JP" sz="2000" dirty="0"/>
-              <a:t>6</a:t>
-            </a:r>
-            <a:r>
-              <a:rPr lang="ja-JP" altLang="en-US" sz="2000" dirty="0"/>
-              <a:t>名</a:t>
-            </a:r>
-            <a:r>
-              <a:rPr lang="en-US" altLang="ja-JP" sz="2000" dirty="0"/>
-              <a:t>)</a:t>
+              <a:t>「楽観的」、「中立的」、「悲観的」な見通しから</a:t>
+            </a:r>
+            <a:r>
+              <a:rPr lang="en-US" altLang="ja-JP" dirty="0"/>
+              <a:t>1</a:t>
             </a:r>
             <a:r>
               <a:rPr lang="ja-JP" altLang="en-US" dirty="0"/>
-              <a:t>が実際のものか自動生成されたものか判別</a:t>
+              <a:t>つ抽出</a:t>
             </a:r>
             <a:endParaRPr lang="en-US" altLang="ja-JP" dirty="0"/>
           </a:p>
           <a:p>
-            <a:pPr lvl="1"/>
+            <a:pPr lvl="1">
+              <a:buFont typeface="Wingdings" panose="05000000000000000000" pitchFamily="2" charset="2"/>
+              <a:buChar char="Ø"/>
+            </a:pPr>
+            <a:endParaRPr lang="en-US" altLang="ja-JP" dirty="0"/>
+          </a:p>
+          <a:p>
             <a:endParaRPr lang="en-US" altLang="ja-JP" dirty="0"/>
           </a:p>
           <a:p>
@@ -7564,7 +7762,7 @@
           <a:p>
             <a:r>
               <a:rPr kumimoji="1" lang="ja-JP" altLang="en-US" dirty="0"/>
-              <a:t>背景</a:t>
+              <a:t>概要</a:t>
             </a:r>
             <a:endParaRPr kumimoji="1" lang="en-US" altLang="ja-JP" dirty="0"/>
           </a:p>
@@ -7722,47 +7920,35 @@
             <p:ph idx="1"/>
           </p:nvPr>
         </p:nvSpPr>
-        <p:spPr/>
+        <p:spPr>
+          <a:xfrm>
+            <a:off x="838200" y="1825625"/>
+            <a:ext cx="11583010" cy="4351338"/>
+          </a:xfrm>
+        </p:spPr>
         <p:txBody>
           <a:bodyPr/>
           <a:lstStyle/>
           <a:p>
             <a:r>
               <a:rPr lang="ja-JP" altLang="en-US" dirty="0"/>
-              <a:t>国内債券市場の</a:t>
-            </a:r>
+              <a:t>実際のコメント同士の一致率が精度が最も高い</a:t>
+            </a:r>
+            <a:r>
+              <a:rPr lang="ja-JP" altLang="en-US" sz="2400" dirty="0"/>
+              <a:t>（国外債券市場除く）</a:t>
+            </a:r>
+            <a:endParaRPr lang="en-US" altLang="ja-JP" sz="2400" dirty="0"/>
+          </a:p>
+          <a:p>
             <a:r>
               <a:rPr lang="en-US" altLang="ja-JP" dirty="0"/>
               <a:t>zero-shot</a:t>
             </a:r>
             <a:r>
               <a:rPr lang="ja-JP" altLang="en-US" dirty="0"/>
-              <a:t>の一致率が低い</a:t>
-            </a:r>
-            <a:endParaRPr lang="en-US" altLang="ja-JP" dirty="0"/>
-          </a:p>
-          <a:p>
-            <a:pPr lvl="1">
-              <a:buFont typeface="Wingdings" panose="05000000000000000000" pitchFamily="2" charset="2"/>
-              <a:buChar char="Ø"/>
-            </a:pPr>
-            <a:r>
-              <a:rPr lang="ja-JP" altLang="en-US" dirty="0"/>
-              <a:t>ニュース記事内で国内債券市場の変動要因に関する記述が少なく、</a:t>
-            </a:r>
-            <a:endParaRPr lang="en-US" altLang="ja-JP" dirty="0"/>
-          </a:p>
-          <a:p>
-            <a:pPr marL="457200" lvl="1" indent="0">
-              <a:buNone/>
-            </a:pPr>
-            <a:r>
-              <a:rPr lang="ja-JP" altLang="en-US" dirty="0"/>
-              <a:t>無関係な要因を列挙したコメント生成</a:t>
-            </a:r>
-            <a:endParaRPr lang="en-US" altLang="ja-JP" dirty="0"/>
-          </a:p>
-          <a:p>
+              <a:t>より</a:t>
+            </a:r>
             <a:r>
               <a:rPr lang="en-US" altLang="ja-JP" dirty="0"/>
               <a:t>few-shot</a:t>
@@ -7873,8 +8059,8 @@
         </p:blipFill>
         <p:spPr>
           <a:xfrm>
-            <a:off x="8139649" y="3429000"/>
-            <a:ext cx="4052351" cy="3254106"/>
+            <a:off x="7622439" y="3171944"/>
+            <a:ext cx="4481779" cy="3598944"/>
           </a:xfrm>
           <a:prstGeom prst="rect">
             <a:avLst/>
@@ -8193,8 +8379,8 @@
               <a:t>結果：</a:t>
             </a:r>
             <a:r>
-              <a:rPr kumimoji="1" lang="en-US" altLang="ja-JP" dirty="0" err="1"/>
-              <a:t>Hallusination</a:t>
+              <a:rPr kumimoji="1" lang="en-US" altLang="ja-JP" dirty="0"/>
+              <a:t>Hallucination</a:t>
             </a:r>
             <a:r>
               <a:rPr kumimoji="1" lang="ja-JP" altLang="en-US" dirty="0"/>
@@ -8431,7 +8617,7 @@
           <a:p>
             <a:r>
               <a:rPr lang="ja-JP" altLang="en-US" dirty="0"/>
-              <a:t>結果：見通しコメント</a:t>
+              <a:t>結果：判別精度評価（見通しコメント）</a:t>
             </a:r>
             <a:endParaRPr kumimoji="1" lang="ja-JP" altLang="en-US" dirty="0"/>
           </a:p>
@@ -8455,13 +8641,36 @@
         </p:nvSpPr>
         <p:spPr/>
         <p:txBody>
-          <a:bodyPr/>
+          <a:bodyPr>
+            <a:normAutofit fontScale="92500" lnSpcReduction="10000"/>
+          </a:bodyPr>
           <a:lstStyle/>
           <a:p>
             <a:r>
               <a:rPr lang="ja-JP" altLang="en-US" dirty="0"/>
               <a:t>運用年数が長いほど、正解率が高い</a:t>
             </a:r>
+            <a:endParaRPr lang="en-US" altLang="ja-JP" dirty="0"/>
+          </a:p>
+          <a:p>
+            <a:endParaRPr kumimoji="1" lang="en-US" altLang="ja-JP" dirty="0"/>
+          </a:p>
+          <a:p>
+            <a:endParaRPr lang="en-US" altLang="ja-JP" dirty="0"/>
+          </a:p>
+          <a:p>
+            <a:endParaRPr kumimoji="1" lang="en-US" altLang="ja-JP" dirty="0"/>
+          </a:p>
+          <a:p>
+            <a:endParaRPr lang="en-US" altLang="ja-JP" dirty="0"/>
+          </a:p>
+          <a:p>
+            <a:endParaRPr kumimoji="1" lang="en-US" altLang="ja-JP" dirty="0"/>
+          </a:p>
+          <a:p>
+            <a:endParaRPr lang="en-US" altLang="ja-JP" dirty="0"/>
+          </a:p>
+          <a:p>
             <a:endParaRPr lang="en-US" altLang="ja-JP" dirty="0"/>
           </a:p>
           <a:p>
@@ -8567,7 +8776,7 @@
         </p:blipFill>
         <p:spPr>
           <a:xfrm>
-            <a:off x="2934815" y="3136723"/>
+            <a:off x="2861663" y="2353997"/>
             <a:ext cx="4773213" cy="2778630"/>
           </a:xfrm>
           <a:prstGeom prst="rect">
@@ -8594,7 +8803,7 @@
         </p:nvSpPr>
         <p:spPr>
           <a:xfrm>
-            <a:off x="1173757" y="5895599"/>
+            <a:off x="998192" y="6098474"/>
             <a:ext cx="667657" cy="769257"/>
           </a:xfrm>
           <a:prstGeom prst="rightArrow">
@@ -8640,7 +8849,7 @@
         </p:nvSpPr>
         <p:spPr>
           <a:xfrm>
-            <a:off x="2002801" y="6050290"/>
+            <a:off x="2103818" y="6221492"/>
             <a:ext cx="6288901" cy="523220"/>
           </a:xfrm>
           <a:prstGeom prst="rect">
@@ -8780,8 +8989,8 @@
               <a:buChar char="Ø"/>
             </a:pPr>
             <a:r>
-              <a:rPr lang="en-US" altLang="ja-JP" dirty="0" err="1"/>
-              <a:t>Hallusination</a:t>
+              <a:rPr lang="en-US" altLang="ja-JP" dirty="0"/>
+              <a:t>Hallucination</a:t>
             </a:r>
             <a:r>
               <a:rPr lang="ja-JP" altLang="en-US" dirty="0"/>
@@ -9273,6 +9482,216 @@
         <p:cNvPr id="1" name="">
           <a:extLst>
             <a:ext uri="{FF2B5EF4-FFF2-40B4-BE49-F238E27FC236}">
+              <a16:creationId xmlns:a16="http://schemas.microsoft.com/office/drawing/2014/main" id="{953F939D-632B-68AE-1584-ACB2B4C7055F}"/>
+            </a:ext>
+          </a:extLst>
+        </p:cNvPr>
+        <p:cNvGrpSpPr/>
+        <p:nvPr/>
+      </p:nvGrpSpPr>
+      <p:grpSpPr>
+        <a:xfrm>
+          <a:off x="0" y="0"/>
+          <a:ext cx="0" cy="0"/>
+          <a:chOff x="0" y="0"/>
+          <a:chExt cx="0" cy="0"/>
+        </a:xfrm>
+      </p:grpSpPr>
+      <p:sp>
+        <p:nvSpPr>
+          <p:cNvPr id="2" name="タイトル 1">
+            <a:extLst>
+              <a:ext uri="{FF2B5EF4-FFF2-40B4-BE49-F238E27FC236}">
+                <a16:creationId xmlns:a16="http://schemas.microsoft.com/office/drawing/2014/main" id="{37858721-6D7D-DFDD-49AF-2CB0E52E4CDD}"/>
+              </a:ext>
+            </a:extLst>
+          </p:cNvPr>
+          <p:cNvSpPr>
+            <a:spLocks noGrp="1"/>
+          </p:cNvSpPr>
+          <p:nvPr>
+            <p:ph type="title"/>
+          </p:nvPr>
+        </p:nvSpPr>
+        <p:spPr/>
+        <p:txBody>
+          <a:bodyPr/>
+          <a:lstStyle/>
+          <a:p>
+            <a:r>
+              <a:rPr lang="ja-JP" altLang="en-US" dirty="0"/>
+              <a:t>付録：トピックのつけ方</a:t>
+            </a:r>
+            <a:endParaRPr kumimoji="1" lang="ja-JP" altLang="en-US" dirty="0"/>
+          </a:p>
+        </p:txBody>
+      </p:sp>
+      <p:sp>
+        <p:nvSpPr>
+          <p:cNvPr id="3" name="コンテンツ プレースホルダー 2">
+            <a:extLst>
+              <a:ext uri="{FF2B5EF4-FFF2-40B4-BE49-F238E27FC236}">
+                <a16:creationId xmlns:a16="http://schemas.microsoft.com/office/drawing/2014/main" id="{2E63789D-58C6-77C0-7B93-F8243134BA55}"/>
+              </a:ext>
+            </a:extLst>
+          </p:cNvPr>
+          <p:cNvSpPr>
+            <a:spLocks noGrp="1"/>
+          </p:cNvSpPr>
+          <p:nvPr>
+            <p:ph idx="1"/>
+          </p:nvPr>
+        </p:nvSpPr>
+        <p:spPr/>
+        <p:txBody>
+          <a:bodyPr/>
+          <a:lstStyle/>
+          <a:p>
+            <a:pPr marL="0" indent="0">
+              <a:buNone/>
+            </a:pPr>
+            <a:r>
+              <a:rPr kumimoji="1" lang="en-US" altLang="ja-JP" dirty="0"/>
+              <a:t>[</a:t>
+            </a:r>
+            <a:r>
+              <a:rPr kumimoji="1" lang="ja-JP" altLang="en-US" dirty="0"/>
+              <a:t>ニュース記事</a:t>
+            </a:r>
+            <a:r>
+              <a:rPr kumimoji="1" lang="en-US" altLang="ja-JP" dirty="0"/>
+              <a:t>]</a:t>
+            </a:r>
+          </a:p>
+          <a:p>
+            <a:pPr marL="0" indent="0">
+              <a:buNone/>
+            </a:pPr>
+            <a:r>
+              <a:rPr kumimoji="1" lang="ja-JP" altLang="en-US" dirty="0"/>
+              <a:t>「上旬の国内株式市場は、米国市場の好調やドル高</a:t>
+            </a:r>
+            <a:r>
+              <a:rPr kumimoji="1" lang="en-US" altLang="ja-JP" dirty="0"/>
+              <a:t>/</a:t>
+            </a:r>
+            <a:r>
+              <a:rPr kumimoji="1" lang="ja-JP" altLang="en-US" dirty="0"/>
+              <a:t>円安の傾向を受けて上昇しました」</a:t>
+            </a:r>
+            <a:endParaRPr kumimoji="1" lang="en-US" altLang="ja-JP" dirty="0"/>
+          </a:p>
+          <a:p>
+            <a:pPr marL="0" indent="0">
+              <a:buNone/>
+            </a:pPr>
+            <a:r>
+              <a:rPr lang="en-US" altLang="ja-JP" dirty="0"/>
+              <a:t>				</a:t>
+            </a:r>
+            <a:r>
+              <a:rPr lang="ja-JP" altLang="en-US" dirty="0"/>
+              <a:t>↓トピック化</a:t>
+            </a:r>
+            <a:endParaRPr lang="en-US" altLang="ja-JP" dirty="0"/>
+          </a:p>
+          <a:p>
+            <a:pPr marL="0" indent="0">
+              <a:buNone/>
+            </a:pPr>
+            <a:r>
+              <a:rPr lang="ja-JP" altLang="en-US" dirty="0"/>
+              <a:t>「米株高</a:t>
+            </a:r>
+            <a:r>
+              <a:rPr lang="en-US" altLang="ja-JP" dirty="0"/>
+              <a:t>, </a:t>
+            </a:r>
+            <a:r>
+              <a:rPr lang="ja-JP" altLang="en-US" dirty="0"/>
+              <a:t>ポジティブ」、「円安</a:t>
+            </a:r>
+            <a:r>
+              <a:rPr lang="en-US" altLang="ja-JP" dirty="0"/>
+              <a:t>, </a:t>
+            </a:r>
+            <a:r>
+              <a:rPr lang="ja-JP" altLang="en-US" dirty="0"/>
+              <a:t>ポジティブ」</a:t>
+            </a:r>
+            <a:endParaRPr lang="en-US" altLang="ja-JP" dirty="0"/>
+          </a:p>
+          <a:p>
+            <a:pPr marL="0" indent="0">
+              <a:buNone/>
+            </a:pPr>
+            <a:endParaRPr kumimoji="1" lang="ja-JP" altLang="en-US" dirty="0"/>
+          </a:p>
+        </p:txBody>
+      </p:sp>
+      <p:cxnSp>
+        <p:nvCxnSpPr>
+          <p:cNvPr id="4" name="直線コネクタ 3">
+            <a:extLst>
+              <a:ext uri="{FF2B5EF4-FFF2-40B4-BE49-F238E27FC236}">
+                <a16:creationId xmlns:a16="http://schemas.microsoft.com/office/drawing/2014/main" id="{E81C6C0C-1660-7FE9-6E0C-4998F95FF5FC}"/>
+              </a:ext>
+            </a:extLst>
+          </p:cNvPr>
+          <p:cNvCxnSpPr/>
+          <p:nvPr/>
+        </p:nvCxnSpPr>
+        <p:spPr>
+          <a:xfrm>
+            <a:off x="826008" y="1584960"/>
+            <a:ext cx="10515600" cy="0"/>
+          </a:xfrm>
+          <a:prstGeom prst="line">
+            <a:avLst/>
+          </a:prstGeom>
+          <a:ln w="19050">
+            <a:solidFill>
+              <a:schemeClr val="tx1"/>
+            </a:solidFill>
+            <a:prstDash val="dash"/>
+          </a:ln>
+        </p:spPr>
+        <p:style>
+          <a:lnRef idx="1">
+            <a:schemeClr val="accent1"/>
+          </a:lnRef>
+          <a:fillRef idx="0">
+            <a:schemeClr val="accent1"/>
+          </a:fillRef>
+          <a:effectRef idx="0">
+            <a:schemeClr val="accent1"/>
+          </a:effectRef>
+          <a:fontRef idx="minor">
+            <a:schemeClr val="tx1"/>
+          </a:fontRef>
+        </p:style>
+      </p:cxnSp>
+    </p:spTree>
+    <p:extLst>
+      <p:ext uri="{BB962C8B-B14F-4D97-AF65-F5344CB8AC3E}">
+        <p14:creationId xmlns:p14="http://schemas.microsoft.com/office/powerpoint/2010/main" val="2111783342"/>
+      </p:ext>
+    </p:extLst>
+  </p:cSld>
+  <p:clrMapOvr>
+    <a:masterClrMapping/>
+  </p:clrMapOvr>
+</p:sld>
+</file>
+
+<file path=ppt/slides/slide28.xml><?xml version="1.0" encoding="utf-8"?>
+<p:sld xmlns:a="http://schemas.openxmlformats.org/drawingml/2006/main" xmlns:r="http://schemas.openxmlformats.org/officeDocument/2006/relationships" xmlns:p="http://schemas.openxmlformats.org/presentationml/2006/main">
+  <p:cSld>
+    <p:spTree>
+      <p:nvGrpSpPr>
+        <p:cNvPr id="1" name="">
+          <a:extLst>
+            <a:ext uri="{FF2B5EF4-FFF2-40B4-BE49-F238E27FC236}">
               <a16:creationId xmlns:a16="http://schemas.microsoft.com/office/drawing/2014/main" id="{E81AD826-B6E6-1365-716D-C20AD2553A79}"/>
             </a:ext>
           </a:extLst>
@@ -9474,8 +9893,8 @@
           <a:lstStyle/>
           <a:p>
             <a:r>
-              <a:rPr kumimoji="1" lang="ja-JP" altLang="en-US" dirty="0"/>
-              <a:t>背景</a:t>
+              <a:rPr lang="ja-JP" altLang="en-US" dirty="0"/>
+              <a:t>概要</a:t>
             </a:r>
             <a:endParaRPr kumimoji="1" lang="en-US" altLang="ja-JP" dirty="0"/>
           </a:p>
@@ -10506,8 +10925,8 @@
           </a:p>
         </p:txBody>
       </p:sp>
-      <mc:AlternateContent xmlns:mc="http://schemas.openxmlformats.org/markup-compatibility/2006">
-        <mc:Choice xmlns:a14="http://schemas.microsoft.com/office/drawing/2010/main" Requires="a14">
+      <mc:AlternateContent xmlns:mc="http://schemas.openxmlformats.org/markup-compatibility/2006" xmlns:a14="http://schemas.microsoft.com/office/drawing/2010/main">
+        <mc:Choice Requires="a14">
           <p:sp>
             <p:nvSpPr>
               <p:cNvPr id="3" name="コンテンツ プレースホルダー 2">
@@ -10733,7 +11152,7 @@
             </p:txBody>
           </p:sp>
         </mc:Choice>
-        <mc:Fallback>
+        <mc:Fallback xmlns="">
           <p:sp>
             <p:nvSpPr>
               <p:cNvPr id="3" name="コンテンツ プレースホルダー 2">
@@ -10819,8 +11238,8 @@
           </a:fontRef>
         </p:style>
       </p:cxnSp>
-      <mc:AlternateContent xmlns:mc="http://schemas.openxmlformats.org/markup-compatibility/2006">
-        <mc:Choice xmlns:a14="http://schemas.microsoft.com/office/drawing/2010/main" Requires="a14">
+      <mc:AlternateContent xmlns:mc="http://schemas.openxmlformats.org/markup-compatibility/2006" xmlns:a14="http://schemas.microsoft.com/office/drawing/2010/main">
+        <mc:Choice Requires="a14">
           <p:sp>
             <p:nvSpPr>
               <p:cNvPr id="7" name="コンテンツ プレースホルダー 2">
@@ -11147,7 +11566,7 @@
             </p:txBody>
           </p:sp>
         </mc:Choice>
-        <mc:Fallback>
+        <mc:Fallback xmlns="">
           <p:sp>
             <p:nvSpPr>
               <p:cNvPr id="7" name="コンテンツ プレースホルダー 2">
@@ -11192,8 +11611,8 @@
           </p:sp>
         </mc:Fallback>
       </mc:AlternateContent>
-      <mc:AlternateContent xmlns:mc="http://schemas.openxmlformats.org/markup-compatibility/2006">
-        <mc:Choice xmlns:a14="http://schemas.microsoft.com/office/drawing/2010/main" Requires="a14">
+      <mc:AlternateContent xmlns:mc="http://schemas.openxmlformats.org/markup-compatibility/2006" xmlns:a14="http://schemas.microsoft.com/office/drawing/2010/main">
+        <mc:Choice Requires="a14">
           <p:sp>
             <p:nvSpPr>
               <p:cNvPr id="8" name="テキスト ボックス 7">
@@ -11528,7 +11947,7 @@
             </p:txBody>
           </p:sp>
         </mc:Choice>
-        <mc:Fallback>
+        <mc:Fallback xmlns="">
           <p:sp>
             <p:nvSpPr>
               <p:cNvPr id="8" name="テキスト ボックス 7">
@@ -11690,7 +12109,7 @@
             </a:pPr>
             <a:r>
               <a:rPr kumimoji="1" lang="ja-JP" altLang="en-US" dirty="0"/>
-              <a:t>月を上旬、中旬、下旬に分け、それぞれの期間の資産価格のリターンを計算</a:t>
+              <a:t>月を上旬、中旬、下旬に分け、それぞれの期間のリターンを計算</a:t>
             </a:r>
             <a:endParaRPr kumimoji="1" lang="en-US" altLang="ja-JP" dirty="0"/>
           </a:p>
@@ -11744,7 +12163,7 @@
             </a:pPr>
             <a:r>
               <a:rPr kumimoji="1" lang="ja-JP" altLang="en-US" dirty="0"/>
-              <a:t>特定したの市場動向について記載されたニュース記事を抽出</a:t>
+              <a:t>特定した日の市場動向について記載されたニュース記事を抽出</a:t>
             </a:r>
           </a:p>
         </p:txBody>
